--- a/Algoritmul minmax alpha beta pruning - Pacman.pptx
+++ b/Algoritmul minmax alpha beta pruning - Pacman.pptx
@@ -12,6 +12,7 @@
     <p:sldId id="260" r:id="rId6"/>
     <p:sldId id="261" r:id="rId7"/>
     <p:sldId id="262" r:id="rId8"/>
+    <p:sldId id="263" r:id="rId9"/>
   </p:sldIdLst>
   <p:sldSz cx="9144000" cy="6858000" type="screen4x3"/>
   <p:notesSz cx="6858000" cy="9144000"/>
@@ -3610,7 +3611,35 @@
             </a:r>
             <a:r>
               <a:rPr lang="en-US" dirty="0" smtClean="0"/>
-              <a:t> alpha beta pruning - Pacman</a:t>
+              <a:t> </a:t>
+            </a:r>
+            <a:r>
+              <a:rPr lang="en-US" dirty="0" smtClean="0"/>
+              <a:t>alpha-beta </a:t>
+            </a:r>
+            <a:r>
+              <a:rPr lang="en-US" dirty="0" smtClean="0"/>
+              <a:t>pruning </a:t>
+            </a:r>
+            <a:r>
+              <a:rPr lang="en-US" dirty="0" err="1" smtClean="0"/>
+              <a:t>aplicat</a:t>
+            </a:r>
+            <a:r>
+              <a:rPr lang="en-US" dirty="0" smtClean="0"/>
+              <a:t> </a:t>
+            </a:r>
+            <a:r>
+              <a:rPr lang="en-US" dirty="0" err="1" smtClean="0"/>
+              <a:t>pe</a:t>
+            </a:r>
+            <a:r>
+              <a:rPr lang="en-US" dirty="0" smtClean="0"/>
+              <a:t>  </a:t>
+            </a:r>
+            <a:r>
+              <a:rPr lang="en-US" dirty="0" smtClean="0"/>
+              <a:t>Pacman</a:t>
             </a:r>
             <a:endParaRPr lang="en-US" dirty="0"/>
           </a:p>
@@ -3626,7 +3655,12 @@
             <p:ph type="subTitle" idx="1"/>
           </p:nvPr>
         </p:nvSpPr>
-        <p:spPr/>
+        <p:spPr>
+          <a:xfrm>
+            <a:off x="3352800" y="5029200"/>
+            <a:ext cx="5114778" cy="1101248"/>
+          </a:xfrm>
+        </p:spPr>
         <p:txBody>
           <a:bodyPr>
             <a:normAutofit lnSpcReduction="10000"/>
@@ -3667,6 +3701,10 @@
             <a:r>
               <a:rPr lang="en-US" dirty="0" err="1" smtClean="0"/>
               <a:t>Liviu</a:t>
+            </a:r>
+            <a:r>
+              <a:rPr lang="en-US" dirty="0" smtClean="0"/>
+              <a:t> Andrei</a:t>
             </a:r>
             <a:endParaRPr lang="en-US" dirty="0" smtClean="0"/>
           </a:p>
@@ -3821,7 +3859,15 @@
           <a:p>
             <a:r>
               <a:rPr lang="en-US" dirty="0" smtClean="0"/>
-              <a:t>MINMAX Alpha Beta Pruning</a:t>
+              <a:t>MINMAX </a:t>
+            </a:r>
+            <a:r>
+              <a:rPr lang="en-US" dirty="0" smtClean="0"/>
+              <a:t>Alpha-Beta </a:t>
+            </a:r>
+            <a:r>
+              <a:rPr lang="en-US" dirty="0" smtClean="0"/>
+              <a:t>Pruning</a:t>
             </a:r>
             <a:endParaRPr lang="en-US" dirty="0"/>
           </a:p>
@@ -4551,7 +4597,11 @@
             <a:pPr lvl="3"/>
             <a:r>
               <a:rPr lang="en-US" dirty="0" smtClean="0"/>
-              <a:t>100 – depth + 2 * </a:t>
+              <a:t>100 </a:t>
+            </a:r>
+            <a:r>
+              <a:rPr lang="en-US" dirty="0" smtClean="0"/>
+              <a:t>– depth + </a:t>
             </a:r>
             <a:r>
               <a:rPr lang="en-US" dirty="0" err="1" smtClean="0"/>
@@ -4559,21 +4609,29 @@
             </a:r>
             <a:r>
               <a:rPr lang="en-US" dirty="0" smtClean="0"/>
-              <a:t> -&gt; PACMAN castigator</a:t>
+              <a:t> </a:t>
+            </a:r>
+            <a:r>
+              <a:rPr lang="en-US" dirty="0" smtClean="0"/>
+              <a:t>-&gt; PACMAN castigator</a:t>
             </a:r>
           </a:p>
           <a:p>
             <a:pPr lvl="3"/>
             <a:r>
               <a:rPr lang="en-US" dirty="0" smtClean="0"/>
-              <a:t>- depth + 2 * </a:t>
+              <a:t>100 - </a:t>
+            </a:r>
+            <a:r>
+              <a:rPr lang="en-US" dirty="0" smtClean="0"/>
+              <a:t>depth + </a:t>
             </a:r>
             <a:r>
               <a:rPr lang="en-US" dirty="0" err="1" smtClean="0"/>
               <a:t>pct_colectate</a:t>
             </a:r>
             <a:r>
-              <a:rPr lang="en-US" dirty="0"/>
+              <a:rPr lang="en-US" dirty="0" smtClean="0"/>
               <a:t> </a:t>
             </a:r>
             <a:r>
@@ -4589,12 +4647,12 @@
           <a:p>
             <a:pPr lvl="3"/>
             <a:r>
-              <a:rPr lang="en-US" dirty="0"/>
-              <a:t>d</a:t>
-            </a:r>
-            <a:r>
               <a:rPr lang="en-US" dirty="0" smtClean="0"/>
-              <a:t>epth + 2 * </a:t>
+              <a:t>50 - depth </a:t>
+            </a:r>
+            <a:r>
+              <a:rPr lang="en-US" dirty="0" smtClean="0"/>
+              <a:t>+ </a:t>
             </a:r>
             <a:r>
               <a:rPr lang="en-US" dirty="0" err="1" smtClean="0"/>
@@ -4602,7 +4660,11 @@
             </a:r>
             <a:r>
               <a:rPr lang="en-US" dirty="0" smtClean="0"/>
-              <a:t> -&gt; </a:t>
+              <a:t> </a:t>
+            </a:r>
+            <a:r>
+              <a:rPr lang="en-US" dirty="0" smtClean="0"/>
+              <a:t>-&gt; </a:t>
             </a:r>
             <a:r>
               <a:rPr lang="en-US" dirty="0" err="1" smtClean="0"/>
@@ -4666,7 +4728,7 @@
         </p:nvSpPr>
         <p:spPr>
           <a:xfrm>
-            <a:off x="3048000" y="2286000"/>
+            <a:off x="3124200" y="838200"/>
             <a:ext cx="1745927" cy="369332"/>
           </a:xfrm>
           <a:prstGeom prst="rect">
@@ -4682,7 +4744,312 @@
           <a:p>
             <a:r>
               <a:rPr lang="en-US" dirty="0" smtClean="0"/>
-              <a:t>DEMO PACMAN!</a:t>
+              <a:t>DEMO PACMAN</a:t>
+            </a:r>
+            <a:r>
+              <a:rPr lang="en-US" dirty="0" smtClean="0"/>
+              <a:t>!</a:t>
+            </a:r>
+          </a:p>
+        </p:txBody>
+      </p:sp>
+      <p:sp>
+        <p:nvSpPr>
+          <p:cNvPr id="3" name="TextBox 2"/>
+          <p:cNvSpPr txBox="1"/>
+          <p:nvPr/>
+        </p:nvSpPr>
+        <p:spPr>
+          <a:xfrm>
+            <a:off x="609600" y="1493304"/>
+            <a:ext cx="3303853" cy="369332"/>
+          </a:xfrm>
+          <a:prstGeom prst="rect">
+            <a:avLst/>
+          </a:prstGeom>
+          <a:noFill/>
+        </p:spPr>
+        <p:txBody>
+          <a:bodyPr wrap="none" rtlCol="0">
+            <a:spAutoFit/>
+          </a:bodyPr>
+          <a:lstStyle/>
+          <a:p>
+            <a:r>
+              <a:rPr lang="en-US" dirty="0" err="1" smtClean="0"/>
+              <a:t>Rulare</a:t>
+            </a:r>
+            <a:r>
+              <a:rPr lang="en-US" dirty="0" smtClean="0"/>
+              <a:t> din visual studio code: </a:t>
+            </a:r>
+            <a:endParaRPr lang="en-US" dirty="0"/>
+          </a:p>
+        </p:txBody>
+      </p:sp>
+      <p:pic>
+        <p:nvPicPr>
+          <p:cNvPr id="1026" name="Picture 2"/>
+          <p:cNvPicPr>
+            <a:picLocks noChangeAspect="1" noChangeArrowheads="1"/>
+          </p:cNvPicPr>
+          <p:nvPr/>
+        </p:nvPicPr>
+        <p:blipFill rotWithShape="1">
+          <a:blip r:embed="rId2">
+            <a:extLst>
+              <a:ext uri="{28A0092B-C50C-407E-A947-70E740481C1C}">
+                <a14:useLocalDpi xmlns:a14="http://schemas.microsoft.com/office/drawing/2010/main" val="0"/>
+              </a:ext>
+            </a:extLst>
+          </a:blip>
+          <a:srcRect l="945" t="-274" r="41159" b="274"/>
+          <a:stretch/>
+        </p:blipFill>
+        <p:spPr bwMode="auto">
+          <a:xfrm>
+            <a:off x="3810000" y="1447800"/>
+            <a:ext cx="4267200" cy="396668"/>
+          </a:xfrm>
+          <a:prstGeom prst="rect">
+            <a:avLst/>
+          </a:prstGeom>
+          <a:noFill/>
+          <a:ln>
+            <a:noFill/>
+          </a:ln>
+          <a:effectLst/>
+          <a:extLst>
+            <a:ext uri="{909E8E84-426E-40DD-AFC4-6F175D3DCCD1}">
+              <a14:hiddenFill xmlns:a14="http://schemas.microsoft.com/office/drawing/2010/main">
+                <a:solidFill>
+                  <a:schemeClr val="accent1"/>
+                </a:solidFill>
+              </a14:hiddenFill>
+            </a:ext>
+            <a:ext uri="{91240B29-F687-4F45-9708-019B960494DF}">
+              <a14:hiddenLine xmlns:a14="http://schemas.microsoft.com/office/drawing/2010/main" w="9525">
+                <a:solidFill>
+                  <a:schemeClr val="tx1"/>
+                </a:solidFill>
+                <a:miter lim="800000"/>
+                <a:headEnd/>
+                <a:tailEnd/>
+              </a14:hiddenLine>
+            </a:ext>
+            <a:ext uri="{AF507438-7753-43E0-B8FC-AC1667EBCBE1}">
+              <a14:hiddenEffects xmlns:a14="http://schemas.microsoft.com/office/drawing/2010/main">
+                <a:effectLst>
+                  <a:outerShdw dist="35921" dir="2700000" algn="ctr" rotWithShape="0">
+                    <a:schemeClr val="bg2"/>
+                  </a:outerShdw>
+                </a:effectLst>
+              </a14:hiddenEffects>
+            </a:ext>
+          </a:extLst>
+        </p:spPr>
+      </p:pic>
+      <p:pic>
+        <p:nvPicPr>
+          <p:cNvPr id="1027" name="Picture 3"/>
+          <p:cNvPicPr>
+            <a:picLocks noChangeAspect="1" noChangeArrowheads="1"/>
+          </p:cNvPicPr>
+          <p:nvPr/>
+        </p:nvPicPr>
+        <p:blipFill>
+          <a:blip r:embed="rId3">
+            <a:extLst>
+              <a:ext uri="{28A0092B-C50C-407E-A947-70E740481C1C}">
+                <a14:useLocalDpi xmlns:a14="http://schemas.microsoft.com/office/drawing/2010/main" val="0"/>
+              </a:ext>
+            </a:extLst>
+          </a:blip>
+          <a:srcRect/>
+          <a:stretch>
+            <a:fillRect/>
+          </a:stretch>
+        </p:blipFill>
+        <p:spPr bwMode="auto">
+          <a:xfrm>
+            <a:off x="3983527" y="2529840"/>
+            <a:ext cx="3969363" cy="4158640"/>
+          </a:xfrm>
+          <a:prstGeom prst="rect">
+            <a:avLst/>
+          </a:prstGeom>
+          <a:noFill/>
+          <a:ln>
+            <a:noFill/>
+          </a:ln>
+          <a:effectLst/>
+          <a:extLst>
+            <a:ext uri="{909E8E84-426E-40DD-AFC4-6F175D3DCCD1}">
+              <a14:hiddenFill xmlns:a14="http://schemas.microsoft.com/office/drawing/2010/main">
+                <a:solidFill>
+                  <a:schemeClr val="accent1"/>
+                </a:solidFill>
+              </a14:hiddenFill>
+            </a:ext>
+            <a:ext uri="{91240B29-F687-4F45-9708-019B960494DF}">
+              <a14:hiddenLine xmlns:a14="http://schemas.microsoft.com/office/drawing/2010/main" w="9525">
+                <a:solidFill>
+                  <a:schemeClr val="tx1"/>
+                </a:solidFill>
+                <a:miter lim="800000"/>
+                <a:headEnd/>
+                <a:tailEnd/>
+              </a14:hiddenLine>
+            </a:ext>
+            <a:ext uri="{AF507438-7753-43E0-B8FC-AC1667EBCBE1}">
+              <a14:hiddenEffects xmlns:a14="http://schemas.microsoft.com/office/drawing/2010/main">
+                <a:effectLst>
+                  <a:outerShdw dist="35921" dir="2700000" algn="ctr" rotWithShape="0">
+                    <a:schemeClr val="bg2"/>
+                  </a:outerShdw>
+                </a:effectLst>
+              </a14:hiddenEffects>
+            </a:ext>
+          </a:extLst>
+        </p:spPr>
+      </p:pic>
+      <p:sp>
+        <p:nvSpPr>
+          <p:cNvPr id="6" name="TextBox 5"/>
+          <p:cNvSpPr txBox="1"/>
+          <p:nvPr/>
+        </p:nvSpPr>
+        <p:spPr>
+          <a:xfrm>
+            <a:off x="692117" y="2730548"/>
+            <a:ext cx="1841658" cy="369332"/>
+          </a:xfrm>
+          <a:prstGeom prst="rect">
+            <a:avLst/>
+          </a:prstGeom>
+          <a:noFill/>
+        </p:spPr>
+        <p:txBody>
+          <a:bodyPr wrap="none" rtlCol="0">
+            <a:spAutoFit/>
+          </a:bodyPr>
+          <a:lstStyle/>
+          <a:p>
+            <a:r>
+              <a:rPr lang="en-US" dirty="0" err="1" smtClean="0"/>
+              <a:t>Varianta</a:t>
+            </a:r>
+            <a:r>
+              <a:rPr lang="en-US" dirty="0" smtClean="0"/>
+              <a:t> nostra:</a:t>
+            </a:r>
+            <a:endParaRPr lang="en-US" dirty="0"/>
+          </a:p>
+        </p:txBody>
+      </p:sp>
+      <p:pic>
+        <p:nvPicPr>
+          <p:cNvPr id="1031" name="Picture 7"/>
+          <p:cNvPicPr>
+            <a:picLocks noChangeAspect="1" noChangeArrowheads="1"/>
+          </p:cNvPicPr>
+          <p:nvPr/>
+        </p:nvPicPr>
+        <p:blipFill rotWithShape="1">
+          <a:blip r:embed="rId4">
+            <a:extLst>
+              <a:ext uri="{28A0092B-C50C-407E-A947-70E740481C1C}">
+                <a14:useLocalDpi xmlns:a14="http://schemas.microsoft.com/office/drawing/2010/main" val="0"/>
+              </a:ext>
+            </a:extLst>
+          </a:blip>
+          <a:srcRect t="23314"/>
+          <a:stretch/>
+        </p:blipFill>
+        <p:spPr bwMode="auto">
+          <a:xfrm>
+            <a:off x="3812406" y="1992429"/>
+            <a:ext cx="2438626" cy="376916"/>
+          </a:xfrm>
+          <a:prstGeom prst="rect">
+            <a:avLst/>
+          </a:prstGeom>
+          <a:noFill/>
+          <a:ln>
+            <a:noFill/>
+          </a:ln>
+          <a:effectLst/>
+          <a:extLst>
+            <a:ext uri="{909E8E84-426E-40DD-AFC4-6F175D3DCCD1}">
+              <a14:hiddenFill xmlns:a14="http://schemas.microsoft.com/office/drawing/2010/main">
+                <a:solidFill>
+                  <a:schemeClr val="accent1"/>
+                </a:solidFill>
+              </a14:hiddenFill>
+            </a:ext>
+            <a:ext uri="{91240B29-F687-4F45-9708-019B960494DF}">
+              <a14:hiddenLine xmlns:a14="http://schemas.microsoft.com/office/drawing/2010/main" w="9525">
+                <a:solidFill>
+                  <a:schemeClr val="tx1"/>
+                </a:solidFill>
+                <a:miter lim="800000"/>
+                <a:headEnd/>
+                <a:tailEnd/>
+              </a14:hiddenLine>
+            </a:ext>
+            <a:ext uri="{AF507438-7753-43E0-B8FC-AC1667EBCBE1}">
+              <a14:hiddenEffects xmlns:a14="http://schemas.microsoft.com/office/drawing/2010/main">
+                <a:effectLst>
+                  <a:outerShdw dist="35921" dir="2700000" algn="ctr" rotWithShape="0">
+                    <a:schemeClr val="bg2"/>
+                  </a:outerShdw>
+                </a:effectLst>
+              </a14:hiddenEffects>
+            </a:ext>
+          </a:extLst>
+        </p:spPr>
+      </p:pic>
+      <p:sp>
+        <p:nvSpPr>
+          <p:cNvPr id="13" name="TextBox 12"/>
+          <p:cNvSpPr txBox="1"/>
+          <p:nvPr/>
+        </p:nvSpPr>
+        <p:spPr>
+          <a:xfrm>
+            <a:off x="702947" y="1992429"/>
+            <a:ext cx="2860078" cy="369332"/>
+          </a:xfrm>
+          <a:prstGeom prst="rect">
+            <a:avLst/>
+          </a:prstGeom>
+          <a:noFill/>
+        </p:spPr>
+        <p:txBody>
+          <a:bodyPr wrap="none" rtlCol="0">
+            <a:spAutoFit/>
+          </a:bodyPr>
+          <a:lstStyle/>
+          <a:p>
+            <a:r>
+              <a:rPr lang="en-US" dirty="0" smtClean="0"/>
+              <a:t>Sau din </a:t>
+            </a:r>
+            <a:r>
+              <a:rPr lang="en-US" dirty="0" err="1" smtClean="0"/>
+              <a:t>linie</a:t>
+            </a:r>
+            <a:r>
+              <a:rPr lang="en-US" dirty="0" smtClean="0"/>
+              <a:t> de </a:t>
+            </a:r>
+            <a:r>
+              <a:rPr lang="en-US" dirty="0" err="1" smtClean="0"/>
+              <a:t>comanda</a:t>
+            </a:r>
+            <a:r>
+              <a:rPr lang="en-US" dirty="0" smtClean="0"/>
+              <a:t>:</a:t>
             </a:r>
             <a:endParaRPr lang="en-US" dirty="0"/>
           </a:p>
@@ -4692,6 +5059,448 @@
     <p:extLst>
       <p:ext uri="{BB962C8B-B14F-4D97-AF65-F5344CB8AC3E}">
         <p14:creationId xmlns:p14="http://schemas.microsoft.com/office/powerpoint/2010/main" val="904305656"/>
+      </p:ext>
+    </p:extLst>
+  </p:cSld>
+  <p:clrMapOvr>
+    <a:masterClrMapping/>
+  </p:clrMapOvr>
+</p:sld>
+</file>
+
+<file path=ppt/slides/slide8.xml><?xml version="1.0" encoding="utf-8"?>
+<p:sld xmlns:a="http://schemas.openxmlformats.org/drawingml/2006/main" xmlns:r="http://schemas.openxmlformats.org/officeDocument/2006/relationships" xmlns:p="http://schemas.openxmlformats.org/presentationml/2006/main">
+  <p:cSld>
+    <p:spTree>
+      <p:nvGrpSpPr>
+        <p:cNvPr id="1" name=""/>
+        <p:cNvGrpSpPr/>
+        <p:nvPr/>
+      </p:nvGrpSpPr>
+      <p:grpSpPr>
+        <a:xfrm>
+          <a:off x="0" y="0"/>
+          <a:ext cx="0" cy="0"/>
+          <a:chOff x="0" y="0"/>
+          <a:chExt cx="0" cy="0"/>
+        </a:xfrm>
+      </p:grpSpPr>
+      <p:sp>
+        <p:nvSpPr>
+          <p:cNvPr id="3" name="TextBox 2"/>
+          <p:cNvSpPr txBox="1"/>
+          <p:nvPr/>
+        </p:nvSpPr>
+        <p:spPr>
+          <a:xfrm>
+            <a:off x="551471" y="2120766"/>
+            <a:ext cx="1417376" cy="369332"/>
+          </a:xfrm>
+          <a:prstGeom prst="rect">
+            <a:avLst/>
+          </a:prstGeom>
+          <a:noFill/>
+        </p:spPr>
+        <p:txBody>
+          <a:bodyPr wrap="none" rtlCol="0">
+            <a:spAutoFit/>
+          </a:bodyPr>
+          <a:lstStyle/>
+          <a:p>
+            <a:r>
+              <a:rPr lang="en-US" dirty="0" smtClean="0"/>
+              <a:t>Si </a:t>
+            </a:r>
+            <a:r>
+              <a:rPr lang="en-US" dirty="0" err="1" smtClean="0"/>
+              <a:t>pe</a:t>
+            </a:r>
+            <a:r>
+              <a:rPr lang="en-US" dirty="0" smtClean="0"/>
+              <a:t> </a:t>
+            </a:r>
+            <a:r>
+              <a:rPr lang="en-US" dirty="0" err="1" smtClean="0"/>
+              <a:t>ecran</a:t>
+            </a:r>
+            <a:r>
+              <a:rPr lang="en-US" dirty="0" smtClean="0"/>
+              <a:t>:</a:t>
+            </a:r>
+            <a:endParaRPr lang="en-US" dirty="0"/>
+          </a:p>
+        </p:txBody>
+      </p:sp>
+      <p:pic>
+        <p:nvPicPr>
+          <p:cNvPr id="2050" name="Picture 2"/>
+          <p:cNvPicPr>
+            <a:picLocks noChangeAspect="1" noChangeArrowheads="1"/>
+          </p:cNvPicPr>
+          <p:nvPr/>
+        </p:nvPicPr>
+        <p:blipFill>
+          <a:blip r:embed="rId2">
+            <a:extLst>
+              <a:ext uri="{28A0092B-C50C-407E-A947-70E740481C1C}">
+                <a14:useLocalDpi xmlns:a14="http://schemas.microsoft.com/office/drawing/2010/main" val="0"/>
+              </a:ext>
+            </a:extLst>
+          </a:blip>
+          <a:srcRect/>
+          <a:stretch>
+            <a:fillRect/>
+          </a:stretch>
+        </p:blipFill>
+        <p:spPr bwMode="auto">
+          <a:xfrm>
+            <a:off x="4231105" y="2819400"/>
+            <a:ext cx="3611500" cy="3741716"/>
+          </a:xfrm>
+          <a:prstGeom prst="rect">
+            <a:avLst/>
+          </a:prstGeom>
+          <a:noFill/>
+          <a:ln>
+            <a:noFill/>
+          </a:ln>
+          <a:effectLst/>
+          <a:extLst>
+            <a:ext uri="{909E8E84-426E-40DD-AFC4-6F175D3DCCD1}">
+              <a14:hiddenFill xmlns:a14="http://schemas.microsoft.com/office/drawing/2010/main">
+                <a:solidFill>
+                  <a:schemeClr val="accent1"/>
+                </a:solidFill>
+              </a14:hiddenFill>
+            </a:ext>
+            <a:ext uri="{91240B29-F687-4F45-9708-019B960494DF}">
+              <a14:hiddenLine xmlns:a14="http://schemas.microsoft.com/office/drawing/2010/main" w="9525">
+                <a:solidFill>
+                  <a:schemeClr val="tx1"/>
+                </a:solidFill>
+                <a:miter lim="800000"/>
+                <a:headEnd/>
+                <a:tailEnd/>
+              </a14:hiddenLine>
+            </a:ext>
+            <a:ext uri="{AF507438-7753-43E0-B8FC-AC1667EBCBE1}">
+              <a14:hiddenEffects xmlns:a14="http://schemas.microsoft.com/office/drawing/2010/main">
+                <a:effectLst>
+                  <a:outerShdw dist="35921" dir="2700000" algn="ctr" rotWithShape="0">
+                    <a:schemeClr val="bg2"/>
+                  </a:outerShdw>
+                </a:effectLst>
+              </a14:hiddenEffects>
+            </a:ext>
+          </a:extLst>
+        </p:spPr>
+      </p:pic>
+      <p:pic>
+        <p:nvPicPr>
+          <p:cNvPr id="2051" name="Picture 3"/>
+          <p:cNvPicPr>
+            <a:picLocks noChangeAspect="1" noChangeArrowheads="1"/>
+          </p:cNvPicPr>
+          <p:nvPr/>
+        </p:nvPicPr>
+        <p:blipFill>
+          <a:blip r:embed="rId3">
+            <a:extLst>
+              <a:ext uri="{28A0092B-C50C-407E-A947-70E740481C1C}">
+                <a14:useLocalDpi xmlns:a14="http://schemas.microsoft.com/office/drawing/2010/main" val="0"/>
+              </a:ext>
+            </a:extLst>
+          </a:blip>
+          <a:srcRect/>
+          <a:stretch>
+            <a:fillRect/>
+          </a:stretch>
+        </p:blipFill>
+        <p:spPr bwMode="auto">
+          <a:xfrm>
+            <a:off x="312214" y="2819400"/>
+            <a:ext cx="3581400" cy="3741716"/>
+          </a:xfrm>
+          <a:prstGeom prst="rect">
+            <a:avLst/>
+          </a:prstGeom>
+          <a:noFill/>
+          <a:ln>
+            <a:noFill/>
+          </a:ln>
+          <a:effectLst/>
+          <a:extLst>
+            <a:ext uri="{909E8E84-426E-40DD-AFC4-6F175D3DCCD1}">
+              <a14:hiddenFill xmlns:a14="http://schemas.microsoft.com/office/drawing/2010/main">
+                <a:solidFill>
+                  <a:schemeClr val="accent1"/>
+                </a:solidFill>
+              </a14:hiddenFill>
+            </a:ext>
+            <a:ext uri="{91240B29-F687-4F45-9708-019B960494DF}">
+              <a14:hiddenLine xmlns:a14="http://schemas.microsoft.com/office/drawing/2010/main" w="9525">
+                <a:solidFill>
+                  <a:schemeClr val="tx1"/>
+                </a:solidFill>
+                <a:miter lim="800000"/>
+                <a:headEnd/>
+                <a:tailEnd/>
+              </a14:hiddenLine>
+            </a:ext>
+            <a:ext uri="{AF507438-7753-43E0-B8FC-AC1667EBCBE1}">
+              <a14:hiddenEffects xmlns:a14="http://schemas.microsoft.com/office/drawing/2010/main">
+                <a:effectLst>
+                  <a:outerShdw dist="35921" dir="2700000" algn="ctr" rotWithShape="0">
+                    <a:schemeClr val="bg2"/>
+                  </a:outerShdw>
+                </a:effectLst>
+              </a14:hiddenEffects>
+            </a:ext>
+          </a:extLst>
+        </p:spPr>
+      </p:pic>
+      <p:pic>
+        <p:nvPicPr>
+          <p:cNvPr id="6" name="Picture 5"/>
+          <p:cNvPicPr>
+            <a:picLocks noChangeAspect="1" noChangeArrowheads="1"/>
+          </p:cNvPicPr>
+          <p:nvPr/>
+        </p:nvPicPr>
+        <p:blipFill>
+          <a:blip r:embed="rId4">
+            <a:extLst>
+              <a:ext uri="{28A0092B-C50C-407E-A947-70E740481C1C}">
+                <a14:useLocalDpi xmlns:a14="http://schemas.microsoft.com/office/drawing/2010/main" val="0"/>
+              </a:ext>
+            </a:extLst>
+          </a:blip>
+          <a:srcRect/>
+          <a:stretch>
+            <a:fillRect/>
+          </a:stretch>
+        </p:blipFill>
+        <p:spPr bwMode="auto">
+          <a:xfrm>
+            <a:off x="6056106" y="1320932"/>
+            <a:ext cx="1337120" cy="635132"/>
+          </a:xfrm>
+          <a:prstGeom prst="rect">
+            <a:avLst/>
+          </a:prstGeom>
+          <a:noFill/>
+          <a:ln>
+            <a:noFill/>
+          </a:ln>
+          <a:effectLst/>
+          <a:extLst>
+            <a:ext uri="{909E8E84-426E-40DD-AFC4-6F175D3DCCD1}">
+              <a14:hiddenFill xmlns:a14="http://schemas.microsoft.com/office/drawing/2010/main">
+                <a:solidFill>
+                  <a:schemeClr val="accent1"/>
+                </a:solidFill>
+              </a14:hiddenFill>
+            </a:ext>
+            <a:ext uri="{91240B29-F687-4F45-9708-019B960494DF}">
+              <a14:hiddenLine xmlns:a14="http://schemas.microsoft.com/office/drawing/2010/main" w="9525">
+                <a:solidFill>
+                  <a:schemeClr val="tx1"/>
+                </a:solidFill>
+                <a:miter lim="800000"/>
+                <a:headEnd/>
+                <a:tailEnd/>
+              </a14:hiddenLine>
+            </a:ext>
+            <a:ext uri="{AF507438-7753-43E0-B8FC-AC1667EBCBE1}">
+              <a14:hiddenEffects xmlns:a14="http://schemas.microsoft.com/office/drawing/2010/main">
+                <a:effectLst>
+                  <a:outerShdw dist="35921" dir="2700000" algn="ctr" rotWithShape="0">
+                    <a:schemeClr val="bg2"/>
+                  </a:outerShdw>
+                </a:effectLst>
+              </a14:hiddenEffects>
+            </a:ext>
+          </a:extLst>
+        </p:spPr>
+      </p:pic>
+      <p:pic>
+        <p:nvPicPr>
+          <p:cNvPr id="7" name="Picture 6"/>
+          <p:cNvPicPr>
+            <a:picLocks noChangeAspect="1" noChangeArrowheads="1"/>
+          </p:cNvPicPr>
+          <p:nvPr/>
+        </p:nvPicPr>
+        <p:blipFill rotWithShape="1">
+          <a:blip r:embed="rId5">
+            <a:extLst>
+              <a:ext uri="{28A0092B-C50C-407E-A947-70E740481C1C}">
+                <a14:useLocalDpi xmlns:a14="http://schemas.microsoft.com/office/drawing/2010/main" val="0"/>
+              </a:ext>
+            </a:extLst>
+          </a:blip>
+          <a:srcRect t="19372" b="20385"/>
+          <a:stretch/>
+        </p:blipFill>
+        <p:spPr bwMode="auto">
+          <a:xfrm>
+            <a:off x="4605875" y="1320932"/>
+            <a:ext cx="1108774" cy="635637"/>
+          </a:xfrm>
+          <a:prstGeom prst="rect">
+            <a:avLst/>
+          </a:prstGeom>
+          <a:noFill/>
+          <a:ln>
+            <a:noFill/>
+          </a:ln>
+          <a:effectLst/>
+          <a:extLst>
+            <a:ext uri="{909E8E84-426E-40DD-AFC4-6F175D3DCCD1}">
+              <a14:hiddenFill xmlns:a14="http://schemas.microsoft.com/office/drawing/2010/main">
+                <a:solidFill>
+                  <a:schemeClr val="accent1"/>
+                </a:solidFill>
+              </a14:hiddenFill>
+            </a:ext>
+            <a:ext uri="{91240B29-F687-4F45-9708-019B960494DF}">
+              <a14:hiddenLine xmlns:a14="http://schemas.microsoft.com/office/drawing/2010/main" w="9525">
+                <a:solidFill>
+                  <a:schemeClr val="tx1"/>
+                </a:solidFill>
+                <a:miter lim="800000"/>
+                <a:headEnd/>
+                <a:tailEnd/>
+              </a14:hiddenLine>
+            </a:ext>
+            <a:ext uri="{AF507438-7753-43E0-B8FC-AC1667EBCBE1}">
+              <a14:hiddenEffects xmlns:a14="http://schemas.microsoft.com/office/drawing/2010/main">
+                <a:effectLst>
+                  <a:outerShdw dist="35921" dir="2700000" algn="ctr" rotWithShape="0">
+                    <a:schemeClr val="bg2"/>
+                  </a:outerShdw>
+                </a:effectLst>
+              </a14:hiddenEffects>
+            </a:ext>
+          </a:extLst>
+        </p:spPr>
+      </p:pic>
+      <p:sp>
+        <p:nvSpPr>
+          <p:cNvPr id="8" name="TextBox 7"/>
+          <p:cNvSpPr txBox="1"/>
+          <p:nvPr/>
+        </p:nvSpPr>
+        <p:spPr>
+          <a:xfrm>
+            <a:off x="551471" y="1320932"/>
+            <a:ext cx="3697705" cy="369332"/>
+          </a:xfrm>
+          <a:prstGeom prst="rect">
+            <a:avLst/>
+          </a:prstGeom>
+          <a:noFill/>
+        </p:spPr>
+        <p:txBody>
+          <a:bodyPr wrap="square" rtlCol="0">
+            <a:spAutoFit/>
+          </a:bodyPr>
+          <a:lstStyle/>
+          <a:p>
+            <a:r>
+              <a:rPr lang="en-US" dirty="0" err="1" smtClean="0"/>
+              <a:t>Rezultatul</a:t>
+            </a:r>
+            <a:r>
+              <a:rPr lang="en-US" dirty="0" smtClean="0"/>
+              <a:t> se </a:t>
+            </a:r>
+            <a:r>
+              <a:rPr lang="en-US" dirty="0" err="1" smtClean="0"/>
+              <a:t>va</a:t>
+            </a:r>
+            <a:r>
+              <a:rPr lang="en-US" dirty="0" smtClean="0"/>
+              <a:t> </a:t>
+            </a:r>
+            <a:r>
+              <a:rPr lang="en-US" dirty="0" err="1" smtClean="0"/>
+              <a:t>afisa</a:t>
+            </a:r>
+            <a:r>
+              <a:rPr lang="en-US" dirty="0" smtClean="0"/>
+              <a:t> in </a:t>
+            </a:r>
+            <a:r>
+              <a:rPr lang="en-US" dirty="0" err="1" smtClean="0"/>
+              <a:t>consola</a:t>
+            </a:r>
+            <a:r>
+              <a:rPr lang="en-US" dirty="0" smtClean="0"/>
+              <a:t>:</a:t>
+            </a:r>
+            <a:endParaRPr lang="en-US" dirty="0"/>
+          </a:p>
+        </p:txBody>
+      </p:sp>
+      <p:sp>
+        <p:nvSpPr>
+          <p:cNvPr id="9" name="TextBox 8"/>
+          <p:cNvSpPr txBox="1"/>
+          <p:nvPr/>
+        </p:nvSpPr>
+        <p:spPr>
+          <a:xfrm>
+            <a:off x="551470" y="403897"/>
+            <a:ext cx="3530069" cy="369332"/>
+          </a:xfrm>
+          <a:prstGeom prst="rect">
+            <a:avLst/>
+          </a:prstGeom>
+          <a:noFill/>
+        </p:spPr>
+        <p:txBody>
+          <a:bodyPr wrap="none" rtlCol="0">
+            <a:spAutoFit/>
+          </a:bodyPr>
+          <a:lstStyle/>
+          <a:p>
+            <a:r>
+              <a:rPr lang="en-US" dirty="0" err="1" smtClean="0"/>
+              <a:t>Finalul</a:t>
+            </a:r>
+            <a:r>
+              <a:rPr lang="en-US" dirty="0" smtClean="0"/>
+              <a:t> </a:t>
+            </a:r>
+            <a:r>
+              <a:rPr lang="en-US" dirty="0" err="1" smtClean="0"/>
+              <a:t>si</a:t>
+            </a:r>
+            <a:r>
+              <a:rPr lang="en-US" dirty="0" smtClean="0"/>
+              <a:t> </a:t>
+            </a:r>
+            <a:r>
+              <a:rPr lang="en-US" dirty="0" err="1" smtClean="0"/>
+              <a:t>punctajul</a:t>
+            </a:r>
+            <a:r>
+              <a:rPr lang="en-US" dirty="0" smtClean="0"/>
+              <a:t> PACMAN-</a:t>
+            </a:r>
+            <a:r>
+              <a:rPr lang="en-US" dirty="0" err="1" smtClean="0"/>
+              <a:t>ului</a:t>
+            </a:r>
+            <a:endParaRPr lang="en-US" dirty="0"/>
+          </a:p>
+        </p:txBody>
+      </p:sp>
+    </p:spTree>
+    <p:extLst>
+      <p:ext uri="{BB962C8B-B14F-4D97-AF65-F5344CB8AC3E}">
+        <p14:creationId xmlns:p14="http://schemas.microsoft.com/office/powerpoint/2010/main" val="1572217538"/>
       </p:ext>
     </p:extLst>
   </p:cSld>
